--- a/Sample.pptx
+++ b/Sample.pptx
@@ -3708,7 +3708,7 @@
       </p:sp>
       <p:pic>
         <p:nvPicPr>
-          <p:cNvPr id="4" name="Picture 3" descr="994eea27-33a4-4f97-ba6f-171cd2140908-1.png"/>
+          <p:cNvPr id="4" name="Picture 3" descr="381d8db3-b8ec-4b5d-8426-fb07d8dff13b-1.png"/>
           <p:cNvPicPr>
             <a:picLocks noChangeAspect="1"/>
           </p:cNvPicPr>
@@ -3784,7 +3784,7 @@
       </p:sp>
       <p:pic>
         <p:nvPicPr>
-          <p:cNvPr id="4" name="Picture 3" descr="994eea27-33a4-4f97-ba6f-171cd2140908-2.png"/>
+          <p:cNvPr id="4" name="Picture 3" descr="381d8db3-b8ec-4b5d-8426-fb07d8dff13b-2.png"/>
           <p:cNvPicPr>
             <a:picLocks noChangeAspect="1"/>
           </p:cNvPicPr>
@@ -3860,7 +3860,7 @@
       </p:sp>
       <p:pic>
         <p:nvPicPr>
-          <p:cNvPr id="4" name="Picture 3" descr="994eea27-33a4-4f97-ba6f-171cd2140908-3.png"/>
+          <p:cNvPr id="4" name="Picture 3" descr="381d8db3-b8ec-4b5d-8426-fb07d8dff13b-3.png"/>
           <p:cNvPicPr>
             <a:picLocks noChangeAspect="1"/>
           </p:cNvPicPr>
